--- a/RTRN/neph_genes/ectoderm/venn.pptx
+++ b/RTRN/neph_genes/ectoderm/venn.pptx
@@ -289,7 +289,7 @@
             <a:fld id="{1D8BD707-D9CF-40AE-B4C6-C98DA3205C09}" type="datetimeFigureOut">
               <a:rPr lang="en-US" smtClean="0"/>
               <a:pPr/>
-              <a:t>6/24/2015</a:t>
+              <a:t>6/25/2015</a:t>
             </a:fld>
             <a:endParaRPr lang="en-US"/>
           </a:p>
@@ -456,7 +456,7 @@
             <a:fld id="{1D8BD707-D9CF-40AE-B4C6-C98DA3205C09}" type="datetimeFigureOut">
               <a:rPr lang="en-US" smtClean="0"/>
               <a:pPr/>
-              <a:t>6/24/2015</a:t>
+              <a:t>6/25/2015</a:t>
             </a:fld>
             <a:endParaRPr lang="en-US"/>
           </a:p>
@@ -633,7 +633,7 @@
             <a:fld id="{1D8BD707-D9CF-40AE-B4C6-C98DA3205C09}" type="datetimeFigureOut">
               <a:rPr lang="en-US" smtClean="0"/>
               <a:pPr/>
-              <a:t>6/24/2015</a:t>
+              <a:t>6/25/2015</a:t>
             </a:fld>
             <a:endParaRPr lang="en-US"/>
           </a:p>
@@ -800,7 +800,7 @@
             <a:fld id="{1D8BD707-D9CF-40AE-B4C6-C98DA3205C09}" type="datetimeFigureOut">
               <a:rPr lang="en-US" smtClean="0"/>
               <a:pPr/>
-              <a:t>6/24/2015</a:t>
+              <a:t>6/25/2015</a:t>
             </a:fld>
             <a:endParaRPr lang="en-US"/>
           </a:p>
@@ -1043,7 +1043,7 @@
             <a:fld id="{1D8BD707-D9CF-40AE-B4C6-C98DA3205C09}" type="datetimeFigureOut">
               <a:rPr lang="en-US" smtClean="0"/>
               <a:pPr/>
-              <a:t>6/24/2015</a:t>
+              <a:t>6/25/2015</a:t>
             </a:fld>
             <a:endParaRPr lang="en-US"/>
           </a:p>
@@ -1328,7 +1328,7 @@
             <a:fld id="{1D8BD707-D9CF-40AE-B4C6-C98DA3205C09}" type="datetimeFigureOut">
               <a:rPr lang="en-US" smtClean="0"/>
               <a:pPr/>
-              <a:t>6/24/2015</a:t>
+              <a:t>6/25/2015</a:t>
             </a:fld>
             <a:endParaRPr lang="en-US"/>
           </a:p>
@@ -1747,7 +1747,7 @@
             <a:fld id="{1D8BD707-D9CF-40AE-B4C6-C98DA3205C09}" type="datetimeFigureOut">
               <a:rPr lang="en-US" smtClean="0"/>
               <a:pPr/>
-              <a:t>6/24/2015</a:t>
+              <a:t>6/25/2015</a:t>
             </a:fld>
             <a:endParaRPr lang="en-US"/>
           </a:p>
@@ -1862,7 +1862,7 @@
             <a:fld id="{1D8BD707-D9CF-40AE-B4C6-C98DA3205C09}" type="datetimeFigureOut">
               <a:rPr lang="en-US" smtClean="0"/>
               <a:pPr/>
-              <a:t>6/24/2015</a:t>
+              <a:t>6/25/2015</a:t>
             </a:fld>
             <a:endParaRPr lang="en-US"/>
           </a:p>
@@ -1954,7 +1954,7 @@
             <a:fld id="{1D8BD707-D9CF-40AE-B4C6-C98DA3205C09}" type="datetimeFigureOut">
               <a:rPr lang="en-US" smtClean="0"/>
               <a:pPr/>
-              <a:t>6/24/2015</a:t>
+              <a:t>6/25/2015</a:t>
             </a:fld>
             <a:endParaRPr lang="en-US"/>
           </a:p>
@@ -2228,7 +2228,7 @@
             <a:fld id="{1D8BD707-D9CF-40AE-B4C6-C98DA3205C09}" type="datetimeFigureOut">
               <a:rPr lang="en-US" smtClean="0"/>
               <a:pPr/>
-              <a:t>6/24/2015</a:t>
+              <a:t>6/25/2015</a:t>
             </a:fld>
             <a:endParaRPr lang="en-US"/>
           </a:p>
@@ -2478,7 +2478,7 @@
             <a:fld id="{1D8BD707-D9CF-40AE-B4C6-C98DA3205C09}" type="datetimeFigureOut">
               <a:rPr lang="en-US" smtClean="0"/>
               <a:pPr/>
-              <a:t>6/24/2015</a:t>
+              <a:t>6/25/2015</a:t>
             </a:fld>
             <a:endParaRPr lang="en-US"/>
           </a:p>
@@ -2688,7 +2688,7 @@
             <a:fld id="{1D8BD707-D9CF-40AE-B4C6-C98DA3205C09}" type="datetimeFigureOut">
               <a:rPr lang="en-US" smtClean="0"/>
               <a:pPr/>
-              <a:t>6/24/2015</a:t>
+              <a:t>6/25/2015</a:t>
             </a:fld>
             <a:endParaRPr lang="en-US"/>
           </a:p>
@@ -3362,11 +3362,7 @@
             <a:pPr algn="ctr"/>
             <a:r>
               <a:rPr lang="en-US" sz="2000" dirty="0" smtClean="0"/>
-              <a:t>Distribution of RT edges in </a:t>
-            </a:r>
-            <a:r>
-              <a:rPr lang="en-US" sz="2000" dirty="0" smtClean="0"/>
-              <a:t>Ectoderm</a:t>
+              <a:t>Distribution of RT edges in Ectoderm</a:t>
             </a:r>
             <a:endParaRPr lang="en-US" sz="2000" dirty="0"/>
           </a:p>
@@ -3397,7 +3393,7 @@
             <a:pPr algn="ctr"/>
             <a:r>
               <a:rPr lang="en-US" dirty="0" smtClean="0"/>
-              <a:t>5</a:t>
+              <a:t>1</a:t>
             </a:r>
             <a:endParaRPr lang="en-US" dirty="0"/>
           </a:p>
@@ -3427,9 +3423,10 @@
           <a:p>
             <a:pPr algn="ctr"/>
             <a:r>
-              <a:rPr lang="en-US" dirty="0"/>
-              <a:t>2592</a:t>
-            </a:r>
+              <a:rPr lang="en-US" dirty="0" smtClean="0"/>
+              <a:t>2596</a:t>
+            </a:r>
+            <a:endParaRPr lang="en-US" dirty="0"/>
           </a:p>
         </p:txBody>
       </p:sp>
@@ -3457,9 +3454,10 @@
           <a:p>
             <a:pPr algn="ctr"/>
             <a:r>
-              <a:rPr lang="en-US" dirty="0"/>
-              <a:t>171</a:t>
-            </a:r>
+              <a:rPr lang="en-US" dirty="0" smtClean="0"/>
+              <a:t>113</a:t>
+            </a:r>
+            <a:endParaRPr lang="en-US" dirty="0"/>
           </a:p>
         </p:txBody>
       </p:sp>
@@ -3487,9 +3485,10 @@
           <a:p>
             <a:pPr algn="ctr"/>
             <a:r>
-              <a:rPr lang="en-US" dirty="0"/>
-              <a:t>9141</a:t>
-            </a:r>
+              <a:rPr lang="en-US" dirty="0" smtClean="0"/>
+              <a:t>9225</a:t>
+            </a:r>
+            <a:endParaRPr lang="en-US" dirty="0"/>
           </a:p>
         </p:txBody>
       </p:sp>
@@ -3517,9 +3516,10 @@
           <a:p>
             <a:pPr algn="ctr"/>
             <a:r>
-              <a:rPr lang="en-US" dirty="0"/>
-              <a:t>3365</a:t>
-            </a:r>
+              <a:rPr lang="en-US" dirty="0" smtClean="0"/>
+              <a:t>3369</a:t>
+            </a:r>
+            <a:endParaRPr lang="en-US" dirty="0"/>
           </a:p>
         </p:txBody>
       </p:sp>
@@ -3547,9 +3547,10 @@
           <a:p>
             <a:pPr algn="ctr"/>
             <a:r>
-              <a:rPr lang="en-US" dirty="0"/>
-              <a:t>128</a:t>
-            </a:r>
+              <a:rPr lang="en-US" dirty="0" smtClean="0"/>
+              <a:t>44</a:t>
+            </a:r>
+            <a:endParaRPr lang="en-US" dirty="0"/>
           </a:p>
         </p:txBody>
       </p:sp>
@@ -3577,9 +3578,10 @@
           <a:p>
             <a:pPr algn="ctr"/>
             <a:r>
-              <a:rPr lang="en-US" dirty="0"/>
-              <a:t>3827</a:t>
-            </a:r>
+              <a:rPr lang="en-US" dirty="0" smtClean="0"/>
+              <a:t>3885</a:t>
+            </a:r>
+            <a:endParaRPr lang="en-US" dirty="0"/>
           </a:p>
         </p:txBody>
       </p:sp>
@@ -3608,7 +3610,7 @@
             <a:pPr algn="ctr"/>
             <a:r>
               <a:rPr lang="en-US" dirty="0" smtClean="0"/>
-              <a:t>4</a:t>
+              <a:t>0</a:t>
             </a:r>
             <a:endParaRPr lang="en-US" dirty="0"/>
           </a:p>
